--- a/3.pptx
+++ b/3.pptx
@@ -7,6 +7,7 @@
   <p:sldIdLst>
     <p:sldId id="256" r:id="rId2"/>
     <p:sldId id="257" r:id="rId3"/>
+    <p:sldId id="258" r:id="rId4"/>
   </p:sldIdLst>
   <p:sldSz cx="12192000" cy="6858000"/>
   <p:notesSz cx="6858000" cy="9144000"/>
@@ -4207,6 +4208,577 @@
     <p:extLst>
       <p:ext uri="{BB962C8B-B14F-4D97-AF65-F5344CB8AC3E}">
         <p14:creationId xmlns:p14="http://schemas.microsoft.com/office/powerpoint/2010/main" val="4287799383"/>
+      </p:ext>
+    </p:extLst>
+  </p:cSld>
+  <p:clrMapOvr>
+    <a:masterClrMapping/>
+  </p:clrMapOvr>
+</p:sld>
+</file>
+
+<file path=ppt/slides/slide3.xml><?xml version="1.0" encoding="utf-8"?>
+<p:sld xmlns:a="http://schemas.openxmlformats.org/drawingml/2006/main" xmlns:r="http://schemas.openxmlformats.org/officeDocument/2006/relationships" xmlns:p="http://schemas.openxmlformats.org/presentationml/2006/main">
+  <p:cSld>
+    <p:spTree>
+      <p:nvGrpSpPr>
+        <p:cNvPr id="1" name=""/>
+        <p:cNvGrpSpPr/>
+        <p:nvPr/>
+      </p:nvGrpSpPr>
+      <p:grpSpPr>
+        <a:xfrm>
+          <a:off x="0" y="0"/>
+          <a:ext cx="0" cy="0"/>
+          <a:chOff x="0" y="0"/>
+          <a:chExt cx="0" cy="0"/>
+        </a:xfrm>
+      </p:grpSpPr>
+      <p:sp>
+        <p:nvSpPr>
+          <p:cNvPr id="2" name="제목 1">
+            <a:extLst>
+              <a:ext uri="{FF2B5EF4-FFF2-40B4-BE49-F238E27FC236}">
+                <a16:creationId xmlns:a16="http://schemas.microsoft.com/office/drawing/2014/main" id="{CA561A41-0096-2686-54F2-77D2ED699D93}"/>
+              </a:ext>
+            </a:extLst>
+          </p:cNvPr>
+          <p:cNvSpPr>
+            <a:spLocks noGrp="1"/>
+          </p:cNvSpPr>
+          <p:nvPr>
+            <p:ph type="title"/>
+          </p:nvPr>
+        </p:nvSpPr>
+        <p:spPr>
+          <a:xfrm>
+            <a:off x="552450" y="193676"/>
+            <a:ext cx="3314700" cy="806450"/>
+          </a:xfrm>
+        </p:spPr>
+        <p:txBody>
+          <a:bodyPr>
+            <a:normAutofit/>
+          </a:bodyPr>
+          <a:lstStyle/>
+          <a:p>
+            <a:r>
+              <a:rPr lang="ko-KR" altLang="en-US" sz="3200" dirty="0"/>
+              <a:t>깃 </a:t>
+            </a:r>
+            <a:r>
+              <a:rPr lang="ko-KR" altLang="en-US" sz="3200" dirty="0" err="1"/>
+              <a:t>커밋</a:t>
+            </a:r>
+            <a:r>
+              <a:rPr lang="ko-KR" altLang="en-US" sz="3200" dirty="0"/>
+              <a:t> 통계</a:t>
+            </a:r>
+          </a:p>
+        </p:txBody>
+      </p:sp>
+      <p:graphicFrame>
+        <p:nvGraphicFramePr>
+          <p:cNvPr id="4" name="내용 개체 틀 3">
+            <a:extLst>
+              <a:ext uri="{FF2B5EF4-FFF2-40B4-BE49-F238E27FC236}">
+                <a16:creationId xmlns:a16="http://schemas.microsoft.com/office/drawing/2014/main" id="{97B21A19-0CCB-9AB6-B504-B288CD074E23}"/>
+              </a:ext>
+            </a:extLst>
+          </p:cNvPr>
+          <p:cNvGraphicFramePr>
+            <a:graphicFrameLocks noGrp="1"/>
+          </p:cNvGraphicFramePr>
+          <p:nvPr>
+            <p:ph idx="1"/>
+            <p:extLst>
+              <p:ext uri="{D42A27DB-BD31-4B8C-83A1-F6EECF244321}">
+                <p14:modId xmlns:p14="http://schemas.microsoft.com/office/powerpoint/2010/main" val="1263567057"/>
+              </p:ext>
+            </p:extLst>
+          </p:nvPr>
+        </p:nvGraphicFramePr>
+        <p:xfrm>
+          <a:off x="838200" y="1190625"/>
+          <a:ext cx="10515600" cy="4051935"/>
+        </p:xfrm>
+        <a:graphic>
+          <a:graphicData uri="http://schemas.openxmlformats.org/drawingml/2006/table">
+            <a:tbl>
+              <a:tblPr firstRow="1" bandRow="1">
+                <a:tableStyleId>{5940675A-B579-460E-94D1-54222C63F5DA}</a:tableStyleId>
+              </a:tblPr>
+              <a:tblGrid>
+                <a:gridCol w="5257800">
+                  <a:extLst>
+                    <a:ext uri="{9D8B030D-6E8A-4147-A177-3AD203B41FA5}">
+                      <a16:colId xmlns:a16="http://schemas.microsoft.com/office/drawing/2014/main" val="3475879329"/>
+                    </a:ext>
+                  </a:extLst>
+                </a:gridCol>
+                <a:gridCol w="5257800">
+                  <a:extLst>
+                    <a:ext uri="{9D8B030D-6E8A-4147-A177-3AD203B41FA5}">
+                      <a16:colId xmlns:a16="http://schemas.microsoft.com/office/drawing/2014/main" val="257128121"/>
+                    </a:ext>
+                  </a:extLst>
+                </a:gridCol>
+              </a:tblGrid>
+              <a:tr h="450215">
+                <a:tc>
+                  <a:txBody>
+                    <a:bodyPr/>
+                    <a:lstStyle/>
+                    <a:p>
+                      <a:pPr latinLnBrk="1"/>
+                      <a:r>
+                        <a:rPr lang="ko-KR" altLang="en-US" dirty="0"/>
+                        <a:t>주</a:t>
+                      </a:r>
+                    </a:p>
+                  </a:txBody>
+                  <a:tcPr/>
+                </a:tc>
+                <a:tc>
+                  <a:txBody>
+                    <a:bodyPr/>
+                    <a:lstStyle/>
+                    <a:p>
+                      <a:pPr latinLnBrk="1"/>
+                      <a:r>
+                        <a:rPr lang="ko-KR" altLang="en-US" dirty="0" err="1"/>
+                        <a:t>커밋</a:t>
+                      </a:r>
+                      <a:r>
+                        <a:rPr lang="ko-KR" altLang="en-US" dirty="0"/>
+                        <a:t> 횟수</a:t>
+                      </a:r>
+                    </a:p>
+                  </a:txBody>
+                  <a:tcPr/>
+                </a:tc>
+                <a:extLst>
+                  <a:ext uri="{0D108BD9-81ED-4DB2-BD59-A6C34878D82A}">
+                    <a16:rowId xmlns:a16="http://schemas.microsoft.com/office/drawing/2014/main" val="2428572822"/>
+                  </a:ext>
+                </a:extLst>
+              </a:tr>
+              <a:tr h="450215">
+                <a:tc>
+                  <a:txBody>
+                    <a:bodyPr/>
+                    <a:lstStyle/>
+                    <a:p>
+                      <a:pPr latinLnBrk="1"/>
+                      <a:r>
+                        <a:rPr lang="en-US" altLang="ko-KR" dirty="0"/>
+                        <a:t>Week of Oct 13</a:t>
+                      </a:r>
+                      <a:endParaRPr lang="ko-KR" altLang="en-US" dirty="0"/>
+                    </a:p>
+                  </a:txBody>
+                  <a:tcPr/>
+                </a:tc>
+                <a:tc>
+                  <a:txBody>
+                    <a:bodyPr/>
+                    <a:lstStyle/>
+                    <a:p>
+                      <a:pPr latinLnBrk="1"/>
+                      <a:r>
+                        <a:rPr lang="en-US" altLang="ko-KR" dirty="0"/>
+                        <a:t>5</a:t>
+                      </a:r>
+                      <a:endParaRPr lang="ko-KR" altLang="en-US" dirty="0"/>
+                    </a:p>
+                  </a:txBody>
+                  <a:tcPr/>
+                </a:tc>
+                <a:extLst>
+                  <a:ext uri="{0D108BD9-81ED-4DB2-BD59-A6C34878D82A}">
+                    <a16:rowId xmlns:a16="http://schemas.microsoft.com/office/drawing/2014/main" val="1297860553"/>
+                  </a:ext>
+                </a:extLst>
+              </a:tr>
+              <a:tr h="450215">
+                <a:tc>
+                  <a:txBody>
+                    <a:bodyPr/>
+                    <a:lstStyle/>
+                    <a:p>
+                      <a:pPr marL="0" marR="0" lvl="0" indent="0" algn="l" defTabSz="914400" rtl="0" eaLnBrk="1" fontAlgn="auto" latinLnBrk="1" hangingPunct="1">
+                        <a:lnSpc>
+                          <a:spcPct val="100000"/>
+                        </a:lnSpc>
+                        <a:spcBef>
+                          <a:spcPts val="0"/>
+                        </a:spcBef>
+                        <a:spcAft>
+                          <a:spcPts val="0"/>
+                        </a:spcAft>
+                        <a:buClrTx/>
+                        <a:buSzTx/>
+                        <a:buFontTx/>
+                        <a:buNone/>
+                        <a:tabLst/>
+                        <a:defRPr/>
+                      </a:pPr>
+                      <a:r>
+                        <a:rPr lang="en-US" altLang="ko-KR" dirty="0"/>
+                        <a:t>Week of Oct 20</a:t>
+                      </a:r>
+                      <a:endParaRPr lang="ko-KR" altLang="en-US" dirty="0"/>
+                    </a:p>
+                  </a:txBody>
+                  <a:tcPr/>
+                </a:tc>
+                <a:tc>
+                  <a:txBody>
+                    <a:bodyPr/>
+                    <a:lstStyle/>
+                    <a:p>
+                      <a:pPr latinLnBrk="1"/>
+                      <a:r>
+                        <a:rPr lang="en-US" altLang="ko-KR" dirty="0"/>
+                        <a:t>5</a:t>
+                      </a:r>
+                      <a:endParaRPr lang="ko-KR" altLang="en-US" dirty="0"/>
+                    </a:p>
+                  </a:txBody>
+                  <a:tcPr/>
+                </a:tc>
+                <a:extLst>
+                  <a:ext uri="{0D108BD9-81ED-4DB2-BD59-A6C34878D82A}">
+                    <a16:rowId xmlns:a16="http://schemas.microsoft.com/office/drawing/2014/main" val="3823660231"/>
+                  </a:ext>
+                </a:extLst>
+              </a:tr>
+              <a:tr h="450215">
+                <a:tc>
+                  <a:txBody>
+                    <a:bodyPr/>
+                    <a:lstStyle/>
+                    <a:p>
+                      <a:pPr marL="0" marR="0" lvl="0" indent="0" algn="l" defTabSz="914400" rtl="0" eaLnBrk="1" fontAlgn="auto" latinLnBrk="1" hangingPunct="1">
+                        <a:lnSpc>
+                          <a:spcPct val="100000"/>
+                        </a:lnSpc>
+                        <a:spcBef>
+                          <a:spcPts val="0"/>
+                        </a:spcBef>
+                        <a:spcAft>
+                          <a:spcPts val="0"/>
+                        </a:spcAft>
+                        <a:buClrTx/>
+                        <a:buSzTx/>
+                        <a:buFontTx/>
+                        <a:buNone/>
+                        <a:tabLst/>
+                        <a:defRPr/>
+                      </a:pPr>
+                      <a:r>
+                        <a:rPr lang="en-US" altLang="ko-KR" dirty="0"/>
+                        <a:t>Week of Oct 27</a:t>
+                      </a:r>
+                      <a:endParaRPr lang="ko-KR" altLang="en-US" dirty="0"/>
+                    </a:p>
+                  </a:txBody>
+                  <a:tcPr/>
+                </a:tc>
+                <a:tc>
+                  <a:txBody>
+                    <a:bodyPr/>
+                    <a:lstStyle/>
+                    <a:p>
+                      <a:pPr latinLnBrk="1"/>
+                      <a:r>
+                        <a:rPr lang="en-US" altLang="ko-KR" dirty="0"/>
+                        <a:t>4</a:t>
+                      </a:r>
+                      <a:endParaRPr lang="ko-KR" altLang="en-US" dirty="0"/>
+                    </a:p>
+                  </a:txBody>
+                  <a:tcPr/>
+                </a:tc>
+                <a:extLst>
+                  <a:ext uri="{0D108BD9-81ED-4DB2-BD59-A6C34878D82A}">
+                    <a16:rowId xmlns:a16="http://schemas.microsoft.com/office/drawing/2014/main" val="530415788"/>
+                  </a:ext>
+                </a:extLst>
+              </a:tr>
+              <a:tr h="450215">
+                <a:tc>
+                  <a:txBody>
+                    <a:bodyPr/>
+                    <a:lstStyle/>
+                    <a:p>
+                      <a:pPr marL="0" marR="0" lvl="0" indent="0" algn="l" defTabSz="914400" rtl="0" eaLnBrk="1" fontAlgn="auto" latinLnBrk="1" hangingPunct="1">
+                        <a:lnSpc>
+                          <a:spcPct val="100000"/>
+                        </a:lnSpc>
+                        <a:spcBef>
+                          <a:spcPts val="0"/>
+                        </a:spcBef>
+                        <a:spcAft>
+                          <a:spcPts val="0"/>
+                        </a:spcAft>
+                        <a:buClrTx/>
+                        <a:buSzTx/>
+                        <a:buFontTx/>
+                        <a:buNone/>
+                        <a:tabLst/>
+                        <a:defRPr/>
+                      </a:pPr>
+                      <a:r>
+                        <a:rPr lang="en-US" altLang="ko-KR" dirty="0"/>
+                        <a:t>Week of Nov 10</a:t>
+                      </a:r>
+                      <a:endParaRPr lang="ko-KR" altLang="en-US" dirty="0"/>
+                    </a:p>
+                  </a:txBody>
+                  <a:tcPr/>
+                </a:tc>
+                <a:tc>
+                  <a:txBody>
+                    <a:bodyPr/>
+                    <a:lstStyle/>
+                    <a:p>
+                      <a:pPr latinLnBrk="1"/>
+                      <a:r>
+                        <a:rPr lang="en-US" altLang="ko-KR" dirty="0"/>
+                        <a:t>1</a:t>
+                      </a:r>
+                      <a:endParaRPr lang="ko-KR" altLang="en-US" dirty="0"/>
+                    </a:p>
+                  </a:txBody>
+                  <a:tcPr/>
+                </a:tc>
+                <a:extLst>
+                  <a:ext uri="{0D108BD9-81ED-4DB2-BD59-A6C34878D82A}">
+                    <a16:rowId xmlns:a16="http://schemas.microsoft.com/office/drawing/2014/main" val="869603429"/>
+                  </a:ext>
+                </a:extLst>
+              </a:tr>
+              <a:tr h="450215">
+                <a:tc>
+                  <a:txBody>
+                    <a:bodyPr/>
+                    <a:lstStyle/>
+                    <a:p>
+                      <a:pPr marL="0" marR="0" lvl="0" indent="0" algn="l" defTabSz="914400" rtl="0" eaLnBrk="1" fontAlgn="auto" latinLnBrk="1" hangingPunct="1">
+                        <a:lnSpc>
+                          <a:spcPct val="100000"/>
+                        </a:lnSpc>
+                        <a:spcBef>
+                          <a:spcPts val="0"/>
+                        </a:spcBef>
+                        <a:spcAft>
+                          <a:spcPts val="0"/>
+                        </a:spcAft>
+                        <a:buClrTx/>
+                        <a:buSzTx/>
+                        <a:buFontTx/>
+                        <a:buNone/>
+                        <a:tabLst/>
+                        <a:defRPr/>
+                      </a:pPr>
+                      <a:r>
+                        <a:rPr lang="en-US" altLang="ko-KR" dirty="0"/>
+                        <a:t>Week of Nov 17</a:t>
+                      </a:r>
+                      <a:endParaRPr lang="ko-KR" altLang="en-US" dirty="0"/>
+                    </a:p>
+                  </a:txBody>
+                  <a:tcPr/>
+                </a:tc>
+                <a:tc>
+                  <a:txBody>
+                    <a:bodyPr/>
+                    <a:lstStyle/>
+                    <a:p>
+                      <a:pPr latinLnBrk="1"/>
+                      <a:r>
+                        <a:rPr lang="en-US" altLang="ko-KR" dirty="0"/>
+                        <a:t>12</a:t>
+                      </a:r>
+                      <a:endParaRPr lang="ko-KR" altLang="en-US" dirty="0"/>
+                    </a:p>
+                  </a:txBody>
+                  <a:tcPr/>
+                </a:tc>
+                <a:extLst>
+                  <a:ext uri="{0D108BD9-81ED-4DB2-BD59-A6C34878D82A}">
+                    <a16:rowId xmlns:a16="http://schemas.microsoft.com/office/drawing/2014/main" val="1520854627"/>
+                  </a:ext>
+                </a:extLst>
+              </a:tr>
+              <a:tr h="450215">
+                <a:tc>
+                  <a:txBody>
+                    <a:bodyPr/>
+                    <a:lstStyle/>
+                    <a:p>
+                      <a:pPr marL="0" marR="0" lvl="0" indent="0" algn="l" defTabSz="914400" rtl="0" eaLnBrk="1" fontAlgn="auto" latinLnBrk="1" hangingPunct="1">
+                        <a:lnSpc>
+                          <a:spcPct val="100000"/>
+                        </a:lnSpc>
+                        <a:spcBef>
+                          <a:spcPts val="0"/>
+                        </a:spcBef>
+                        <a:spcAft>
+                          <a:spcPts val="0"/>
+                        </a:spcAft>
+                        <a:buClrTx/>
+                        <a:buSzTx/>
+                        <a:buFontTx/>
+                        <a:buNone/>
+                        <a:tabLst/>
+                        <a:defRPr/>
+                      </a:pPr>
+                      <a:r>
+                        <a:rPr lang="en-US" altLang="ko-KR" dirty="0"/>
+                        <a:t>Week of Nov 24</a:t>
+                      </a:r>
+                      <a:endParaRPr lang="ko-KR" altLang="en-US" dirty="0"/>
+                    </a:p>
+                  </a:txBody>
+                  <a:tcPr/>
+                </a:tc>
+                <a:tc>
+                  <a:txBody>
+                    <a:bodyPr/>
+                    <a:lstStyle/>
+                    <a:p>
+                      <a:pPr latinLnBrk="1"/>
+                      <a:r>
+                        <a:rPr lang="en-US" altLang="ko-KR" dirty="0"/>
+                        <a:t>7</a:t>
+                      </a:r>
+                      <a:endParaRPr lang="ko-KR" altLang="en-US" dirty="0"/>
+                    </a:p>
+                  </a:txBody>
+                  <a:tcPr/>
+                </a:tc>
+                <a:extLst>
+                  <a:ext uri="{0D108BD9-81ED-4DB2-BD59-A6C34878D82A}">
+                    <a16:rowId xmlns:a16="http://schemas.microsoft.com/office/drawing/2014/main" val="2384883599"/>
+                  </a:ext>
+                </a:extLst>
+              </a:tr>
+              <a:tr h="450215">
+                <a:tc>
+                  <a:txBody>
+                    <a:bodyPr/>
+                    <a:lstStyle/>
+                    <a:p>
+                      <a:pPr marL="0" marR="0" lvl="0" indent="0" algn="l" defTabSz="914400" rtl="0" eaLnBrk="1" fontAlgn="auto" latinLnBrk="1" hangingPunct="1">
+                        <a:lnSpc>
+                          <a:spcPct val="100000"/>
+                        </a:lnSpc>
+                        <a:spcBef>
+                          <a:spcPts val="0"/>
+                        </a:spcBef>
+                        <a:spcAft>
+                          <a:spcPts val="0"/>
+                        </a:spcAft>
+                        <a:buClrTx/>
+                        <a:buSzTx/>
+                        <a:buFontTx/>
+                        <a:buNone/>
+                        <a:tabLst/>
+                        <a:defRPr/>
+                      </a:pPr>
+                      <a:r>
+                        <a:rPr lang="en-US" altLang="ko-KR" dirty="0"/>
+                        <a:t>Week of Dec 1</a:t>
+                      </a:r>
+                      <a:endParaRPr lang="ko-KR" altLang="en-US" dirty="0"/>
+                    </a:p>
+                  </a:txBody>
+                  <a:tcPr/>
+                </a:tc>
+                <a:tc>
+                  <a:txBody>
+                    <a:bodyPr/>
+                    <a:lstStyle/>
+                    <a:p>
+                      <a:pPr latinLnBrk="1"/>
+                      <a:r>
+                        <a:rPr lang="en-US" altLang="ko-KR" dirty="0"/>
+                        <a:t>15</a:t>
+                      </a:r>
+                      <a:endParaRPr lang="ko-KR" altLang="en-US" dirty="0"/>
+                    </a:p>
+                  </a:txBody>
+                  <a:tcPr/>
+                </a:tc>
+                <a:extLst>
+                  <a:ext uri="{0D108BD9-81ED-4DB2-BD59-A6C34878D82A}">
+                    <a16:rowId xmlns:a16="http://schemas.microsoft.com/office/drawing/2014/main" val="880028862"/>
+                  </a:ext>
+                </a:extLst>
+              </a:tr>
+              <a:tr h="450215">
+                <a:tc>
+                  <a:txBody>
+                    <a:bodyPr/>
+                    <a:lstStyle/>
+                    <a:p>
+                      <a:pPr marL="0" marR="0" lvl="0" indent="0" algn="l" defTabSz="914400" rtl="0" eaLnBrk="1" fontAlgn="auto" latinLnBrk="1" hangingPunct="1">
+                        <a:lnSpc>
+                          <a:spcPct val="100000"/>
+                        </a:lnSpc>
+                        <a:spcBef>
+                          <a:spcPts val="0"/>
+                        </a:spcBef>
+                        <a:spcAft>
+                          <a:spcPts val="0"/>
+                        </a:spcAft>
+                        <a:buClrTx/>
+                        <a:buSzTx/>
+                        <a:buFontTx/>
+                        <a:buNone/>
+                        <a:tabLst/>
+                        <a:defRPr/>
+                      </a:pPr>
+                      <a:r>
+                        <a:rPr lang="en-US" altLang="ko-KR" dirty="0"/>
+                        <a:t>Week of Dec 8</a:t>
+                      </a:r>
+                      <a:endParaRPr lang="ko-KR" altLang="en-US" dirty="0"/>
+                    </a:p>
+                  </a:txBody>
+                  <a:tcPr/>
+                </a:tc>
+                <a:tc>
+                  <a:txBody>
+                    <a:bodyPr/>
+                    <a:lstStyle/>
+                    <a:p>
+                      <a:pPr latinLnBrk="1"/>
+                      <a:r>
+                        <a:rPr lang="en-US" altLang="ko-KR" dirty="0"/>
+                        <a:t>6</a:t>
+                      </a:r>
+                      <a:endParaRPr lang="ko-KR" altLang="en-US" dirty="0"/>
+                    </a:p>
+                  </a:txBody>
+                  <a:tcPr/>
+                </a:tc>
+                <a:extLst>
+                  <a:ext uri="{0D108BD9-81ED-4DB2-BD59-A6C34878D82A}">
+                    <a16:rowId xmlns:a16="http://schemas.microsoft.com/office/drawing/2014/main" val="2529365152"/>
+                  </a:ext>
+                </a:extLst>
+              </a:tr>
+            </a:tbl>
+          </a:graphicData>
+        </a:graphic>
+      </p:graphicFrame>
+    </p:spTree>
+    <p:extLst>
+      <p:ext uri="{BB962C8B-B14F-4D97-AF65-F5344CB8AC3E}">
+        <p14:creationId xmlns:p14="http://schemas.microsoft.com/office/powerpoint/2010/main" val="1162470835"/>
       </p:ext>
     </p:extLst>
   </p:cSld>
